--- a/documentation/Vorstellungsplakat/Muscular_Arrangement.pptx
+++ b/documentation/Vorstellungsplakat/Muscular_Arrangement.pptx
@@ -6475,8 +6475,8 @@
         </p:nvSpPr>
         <p:spPr>
           <a:xfrm>
-            <a:off x="1418167" y="7614711"/>
-            <a:ext cx="13193183" cy="4980412"/>
+            <a:off x="1418167" y="7614710"/>
+            <a:ext cx="13193183" cy="5605990"/>
           </a:xfrm>
           <a:prstGeom prst="roundRect">
             <a:avLst/>
@@ -6567,6 +6567,9 @@
           <a:bodyPr/>
           <a:lstStyle/>
           <a:p>
+            <a:endParaRPr lang="en-GB" sz="4400" dirty="0"/>
+          </a:p>
+          <a:p>
             <a:r>
               <a:rPr lang="en-GB" sz="4400" dirty="0"/>
               <a:t>Introduction</a:t>
@@ -6596,7 +6599,15 @@
           <a:p>
             <a:r>
               <a:rPr lang="en-GB" sz="2800" b="0" dirty="0"/>
-              <a:t>                             CT-scan of the musculus biceps brachii</a:t>
+              <a:t>                             </a:t>
+            </a:r>
+            <a:r>
+              <a:rPr lang="en-GB" sz="2800" b="0" dirty="0">
+                <a:solidFill>
+                  <a:srgbClr val="797979"/>
+                </a:solidFill>
+              </a:rPr>
+              <a:t>CT-scan of the musculus biceps brachii</a:t>
             </a:r>
           </a:p>
           <a:p>
@@ -6643,6 +6654,41 @@
               <a:rPr lang="en-GB" sz="3400" b="0" dirty="0"/>
               <a:t>   inflow and outflow</a:t>
             </a:r>
+            <a:endParaRPr lang="en-GB" sz="3400" dirty="0"/>
+          </a:p>
+          <a:p>
+            <a:endParaRPr lang="en-GB" sz="3400" dirty="0"/>
+          </a:p>
+          <a:p>
+            <a:r>
+              <a:rPr lang="en-GB" sz="3400" b="0" dirty="0"/>
+              <a:t>Choi and </a:t>
+            </a:r>
+            <a:r>
+              <a:rPr lang="en-GB" sz="3400" b="0" dirty="0" err="1"/>
+              <a:t>Blemker</a:t>
+            </a:r>
+            <a:r>
+              <a:rPr lang="en-GB" sz="3400" b="0" dirty="0"/>
+              <a:t> already showed 2013 that the muscle fascicles can be reconstructed using a Laplacian vector field simulation. Because of that, we use the meshing program </a:t>
+            </a:r>
+            <a:r>
+              <a:rPr lang="en-GB" sz="3400" b="0" dirty="0" err="1"/>
+              <a:t>Gmsh</a:t>
+            </a:r>
+            <a:r>
+              <a:rPr lang="en-GB" sz="3400" b="0" dirty="0"/>
+              <a:t> and its build-in solver </a:t>
+            </a:r>
+            <a:r>
+              <a:rPr lang="en-GB" sz="3400" b="0" dirty="0" err="1"/>
+              <a:t>GetDP</a:t>
+            </a:r>
+            <a:r>
+              <a:rPr lang="en-GB" sz="3400" b="0" dirty="0"/>
+              <a:t>. It is a three-dimensional finite-element mesh generator. The simulation of electric potential in a dielectric volume implements the Laplace equation and the two boundaries and thus is a perfect fit for our conditions.</a:t>
+            </a:r>
+            <a:endParaRPr lang="en-GB" sz="3400" dirty="0"/>
           </a:p>
           <a:p>
             <a:endParaRPr lang="en-GB" sz="3400" dirty="0"/>
@@ -6658,42 +6704,88 @@
             </a:r>
           </a:p>
           <a:p>
-            <a:pPr marL="342900" indent="-342900">
+            <a:pPr marL="457200" indent="-457200">
               <a:buFont typeface="Arial" panose="020B0604020202020204" pitchFamily="34" charset="0"/>
               <a:buChar char="•"/>
             </a:pPr>
             <a:r>
-              <a:rPr lang="en-GB" sz="3400" b="0" dirty="0"/>
+              <a:rPr lang="en-GB" sz="3400" b="0" dirty="0">
+                <a:solidFill>
+                  <a:schemeClr val="accent3"/>
+                </a:solidFill>
+              </a:rPr>
               <a:t>GUI, own scripting language</a:t>
             </a:r>
           </a:p>
           <a:p>
-            <a:pPr marL="342900" indent="-342900">
+            <a:pPr marL="457200" indent="-457200">
               <a:buFont typeface="Arial" panose="020B0604020202020204" pitchFamily="34" charset="0"/>
               <a:buChar char="•"/>
             </a:pPr>
             <a:r>
-              <a:rPr lang="en-GB" sz="3400" b="0" dirty="0"/>
+              <a:rPr lang="en-GB" sz="3400" b="0" dirty="0">
+                <a:solidFill>
+                  <a:schemeClr val="accent3"/>
+                </a:solidFill>
+              </a:rPr>
               <a:t>Automation: loops conditionals, user-defined macros and external system calls</a:t>
             </a:r>
           </a:p>
           <a:p>
-            <a:pPr marL="342900" indent="-342900">
+            <a:pPr marL="457200" indent="-457200">
               <a:buFont typeface="Arial" panose="020B0604020202020204" pitchFamily="34" charset="0"/>
               <a:buChar char="•"/>
             </a:pPr>
             <a:r>
-              <a:rPr lang="en-GB" sz="3400" b="0" dirty="0"/>
+              <a:rPr lang="en-GB" sz="3400" b="0" dirty="0">
+                <a:solidFill>
+                  <a:schemeClr val="accent3"/>
+                </a:solidFill>
+              </a:rPr>
               <a:t>Compiling without the GUI and use directly from the command line</a:t>
             </a:r>
           </a:p>
           <a:p>
-            <a:pPr marL="342900" indent="-342900">
+            <a:pPr marL="457200" indent="-457200">
               <a:buFont typeface="Arial" panose="020B0604020202020204" pitchFamily="34" charset="0"/>
               <a:buChar char="•"/>
             </a:pPr>
             <a:r>
               <a:rPr lang="en-GB" sz="3400" b="0" dirty="0"/>
+              <a:t>Pre- and postprocessing</a:t>
+            </a:r>
+            <a:endParaRPr lang="en-GB" sz="3400" b="0" dirty="0">
+              <a:solidFill>
+                <a:schemeClr val="accent3"/>
+              </a:solidFill>
+            </a:endParaRPr>
+          </a:p>
+          <a:p>
+            <a:pPr marL="457200" indent="-457200">
+              <a:buFont typeface="Arial" panose="020B0604020202020204" pitchFamily="34" charset="0"/>
+              <a:buChar char="•"/>
+            </a:pPr>
+            <a:r>
+              <a:rPr lang="en-GB" sz="3400" b="0" dirty="0"/>
+              <a:t>Built-in solver</a:t>
+            </a:r>
+            <a:endParaRPr lang="en-GB" sz="3400" b="0" dirty="0">
+              <a:solidFill>
+                <a:schemeClr val="accent3"/>
+              </a:solidFill>
+            </a:endParaRPr>
+          </a:p>
+          <a:p>
+            <a:pPr marL="457200" indent="-457200">
+              <a:buFont typeface="Arial" panose="020B0604020202020204" pitchFamily="34" charset="0"/>
+              <a:buChar char="•"/>
+            </a:pPr>
+            <a:r>
+              <a:rPr lang="en-GB" sz="3400" b="0" dirty="0">
+                <a:solidFill>
+                  <a:schemeClr val="accent3"/>
+                </a:solidFill>
+              </a:rPr>
               <a:t>Free software</a:t>
             </a:r>
           </a:p>
@@ -6734,7 +6826,7 @@
             </a:r>
             <a:r>
               <a:rPr lang="en-GB" sz="4000" dirty="0" err="1"/>
-              <a:t>Ranamaheson</a:t>
+              <a:t>Ratnamaheson</a:t>
             </a:r>
             <a:endParaRPr lang="en-GB" sz="4000" dirty="0"/>
           </a:p>
@@ -6793,7 +6885,10 @@
           <a:bodyPr/>
           <a:lstStyle/>
           <a:p>
-            <a:endParaRPr lang="en-GB" dirty="0"/>
+            <a:r>
+              <a:rPr lang="en-GB" dirty="0"/>
+              <a:t>www.uni-Stuttgart.de</a:t>
+            </a:r>
           </a:p>
         </p:txBody>
       </p:sp>
@@ -7078,6 +7173,16 @@
               <a:t>Can be applied on all forms of skeletal muscles</a:t>
             </a:r>
           </a:p>
+          <a:p>
+            <a:pPr marL="342900" indent="-342900">
+              <a:buFont typeface="Arial" panose="020B0604020202020204" pitchFamily="34" charset="0"/>
+              <a:buChar char="•"/>
+            </a:pPr>
+            <a:r>
+              <a:rPr lang="en-GB" sz="3400" dirty="0"/>
+              <a:t>Variable amount of generated fascicles</a:t>
+            </a:r>
+          </a:p>
         </p:txBody>
       </p:sp>
       <p:pic>
@@ -7101,8 +7206,8 @@
           </a:stretch>
         </p:blipFill>
         <p:spPr>
-          <a:xfrm rot="7304715">
-            <a:off x="874530" y="30847759"/>
+          <a:xfrm rot="2730445">
+            <a:off x="8499955" y="31268549"/>
             <a:ext cx="4667911" cy="8158577"/>
           </a:xfrm>
           <a:prstGeom prst="rect">
@@ -7132,8 +7237,8 @@
         </p:blipFill>
         <p:spPr>
           <a:xfrm>
-            <a:off x="24582189" y="17371814"/>
-            <a:ext cx="5760640" cy="3170750"/>
+            <a:off x="16685655" y="9762522"/>
+            <a:ext cx="7743337" cy="4262059"/>
           </a:xfrm>
           <a:prstGeom prst="rect">
             <a:avLst/>
@@ -7162,7 +7267,7 @@
         </p:blipFill>
         <p:spPr>
           <a:xfrm>
-            <a:off x="8500133" y="21404262"/>
+            <a:off x="8500133" y="22500326"/>
             <a:ext cx="7034244" cy="2650226"/>
           </a:xfrm>
           <a:prstGeom prst="rect">
@@ -7192,7 +7297,7 @@
         </p:blipFill>
         <p:spPr>
           <a:xfrm rot="1751548">
-            <a:off x="2916459" y="16260792"/>
+            <a:off x="3041287" y="17070172"/>
             <a:ext cx="9906392" cy="4676867"/>
           </a:xfrm>
           <a:prstGeom prst="rect">
@@ -7222,7 +7327,7 @@
         </p:blipFill>
         <p:spPr>
           <a:xfrm rot="21208518">
-            <a:off x="18251099" y="36240685"/>
+            <a:off x="17958939" y="35282169"/>
             <a:ext cx="9297155" cy="4163002"/>
           </a:xfrm>
           <a:prstGeom prst="rect">
@@ -7230,6 +7335,489 @@
           </a:prstGeom>
         </p:spPr>
       </p:pic>
+      <p:sp>
+        <p:nvSpPr>
+          <p:cNvPr id="3" name="Textfeld 2">
+            <a:extLst>
+              <a:ext uri="{FF2B5EF4-FFF2-40B4-BE49-F238E27FC236}">
+                <a16:creationId xmlns:a16="http://schemas.microsoft.com/office/drawing/2014/main" id="{86690ECC-D208-4622-BCF0-5A15E1FD2225}"/>
+              </a:ext>
+            </a:extLst>
+          </p:cNvPr>
+          <p:cNvSpPr txBox="1"/>
+          <p:nvPr/>
+        </p:nvSpPr>
+        <p:spPr>
+          <a:xfrm>
+            <a:off x="6200966" y="36951006"/>
+            <a:ext cx="7659469" cy="954107"/>
+          </a:xfrm>
+          <a:prstGeom prst="rect">
+            <a:avLst/>
+          </a:prstGeom>
+          <a:noFill/>
+        </p:spPr>
+        <p:txBody>
+          <a:bodyPr wrap="none" rtlCol="0">
+            <a:spAutoFit/>
+          </a:bodyPr>
+          <a:lstStyle/>
+          <a:p>
+            <a:endParaRPr lang="de-DE" sz="2800" dirty="0">
+              <a:latin typeface="Arial" panose="020B0604020202020204" pitchFamily="34" charset="0"/>
+              <a:cs typeface="Arial" panose="020B0604020202020204" pitchFamily="34" charset="0"/>
+            </a:endParaRPr>
+          </a:p>
+          <a:p>
+            <a:r>
+              <a:rPr lang="de-DE" sz="2800" dirty="0" err="1">
+                <a:solidFill>
+                  <a:srgbClr val="797979"/>
+                </a:solidFill>
+                <a:latin typeface="Arial" panose="020B0604020202020204" pitchFamily="34" charset="0"/>
+                <a:cs typeface="Arial" panose="020B0604020202020204" pitchFamily="34" charset="0"/>
+              </a:rPr>
+              <a:t>Postprocessed</a:t>
+            </a:r>
+            <a:r>
+              <a:rPr lang="de-DE" sz="2800" dirty="0">
+                <a:solidFill>
+                  <a:srgbClr val="797979"/>
+                </a:solidFill>
+                <a:latin typeface="Arial" panose="020B0604020202020204" pitchFamily="34" charset="0"/>
+                <a:cs typeface="Arial" panose="020B0604020202020204" pitchFamily="34" charset="0"/>
+              </a:rPr>
+              <a:t> </a:t>
+            </a:r>
+            <a:r>
+              <a:rPr lang="de-DE" sz="2800" dirty="0" err="1">
+                <a:solidFill>
+                  <a:srgbClr val="797979"/>
+                </a:solidFill>
+                <a:latin typeface="Arial" panose="020B0604020202020204" pitchFamily="34" charset="0"/>
+                <a:cs typeface="Arial" panose="020B0604020202020204" pitchFamily="34" charset="0"/>
+              </a:rPr>
+              <a:t>streamlines</a:t>
+            </a:r>
+            <a:r>
+              <a:rPr lang="de-DE" sz="2800" dirty="0">
+                <a:solidFill>
+                  <a:srgbClr val="797979"/>
+                </a:solidFill>
+                <a:latin typeface="Arial" panose="020B0604020202020204" pitchFamily="34" charset="0"/>
+                <a:cs typeface="Arial" panose="020B0604020202020204" pitchFamily="34" charset="0"/>
+              </a:rPr>
+              <a:t> (</a:t>
+            </a:r>
+            <a:r>
+              <a:rPr lang="de-DE" sz="2800" dirty="0" err="1">
+                <a:solidFill>
+                  <a:srgbClr val="797979"/>
+                </a:solidFill>
+                <a:latin typeface="Arial" panose="020B0604020202020204" pitchFamily="34" charset="0"/>
+                <a:cs typeface="Arial" panose="020B0604020202020204" pitchFamily="34" charset="0"/>
+              </a:rPr>
+              <a:t>fascicles</a:t>
+            </a:r>
+            <a:r>
+              <a:rPr lang="de-DE" sz="2800" dirty="0">
+                <a:solidFill>
+                  <a:srgbClr val="797979"/>
+                </a:solidFill>
+                <a:latin typeface="Arial" panose="020B0604020202020204" pitchFamily="34" charset="0"/>
+                <a:cs typeface="Arial" panose="020B0604020202020204" pitchFamily="34" charset="0"/>
+              </a:rPr>
+              <a:t>) in </a:t>
+            </a:r>
+            <a:r>
+              <a:rPr lang="de-DE" sz="2800" dirty="0" err="1">
+                <a:solidFill>
+                  <a:srgbClr val="797979"/>
+                </a:solidFill>
+                <a:latin typeface="Arial" panose="020B0604020202020204" pitchFamily="34" charset="0"/>
+                <a:cs typeface="Arial" panose="020B0604020202020204" pitchFamily="34" charset="0"/>
+              </a:rPr>
+              <a:t>Gmsh</a:t>
+            </a:r>
+            <a:endParaRPr lang="en-DE" sz="2800" dirty="0">
+              <a:solidFill>
+                <a:srgbClr val="797979"/>
+              </a:solidFill>
+              <a:latin typeface="Arial" panose="020B0604020202020204" pitchFamily="34" charset="0"/>
+              <a:cs typeface="Arial" panose="020B0604020202020204" pitchFamily="34" charset="0"/>
+            </a:endParaRPr>
+          </a:p>
+        </p:txBody>
+      </p:sp>
+      <p:sp>
+        <p:nvSpPr>
+          <p:cNvPr id="7" name="Textfeld 6">
+            <a:extLst>
+              <a:ext uri="{FF2B5EF4-FFF2-40B4-BE49-F238E27FC236}">
+                <a16:creationId xmlns:a16="http://schemas.microsoft.com/office/drawing/2014/main" id="{725ADF7B-5421-445B-AEF5-FF47A4ACBCE1}"/>
+              </a:ext>
+            </a:extLst>
+          </p:cNvPr>
+          <p:cNvSpPr txBox="1"/>
+          <p:nvPr/>
+        </p:nvSpPr>
+        <p:spPr>
+          <a:xfrm>
+            <a:off x="16545677" y="13334286"/>
+            <a:ext cx="12708000" cy="6863417"/>
+          </a:xfrm>
+          <a:prstGeom prst="rect">
+            <a:avLst/>
+          </a:prstGeom>
+          <a:noFill/>
+        </p:spPr>
+        <p:txBody>
+          <a:bodyPr wrap="square" rtlCol="0">
+            <a:spAutoFit/>
+          </a:bodyPr>
+          <a:lstStyle/>
+          <a:p>
+            <a:endParaRPr lang="en-GB" sz="4400" b="1" dirty="0">
+              <a:solidFill>
+                <a:schemeClr val="accent3"/>
+              </a:solidFill>
+              <a:latin typeface="Arial" panose="020B0604020202020204" pitchFamily="34" charset="0"/>
+              <a:cs typeface="Arial" panose="020B0604020202020204" pitchFamily="34" charset="0"/>
+            </a:endParaRPr>
+          </a:p>
+          <a:p>
+            <a:endParaRPr lang="en-GB" sz="4400" b="1" dirty="0">
+              <a:solidFill>
+                <a:schemeClr val="accent3"/>
+              </a:solidFill>
+              <a:latin typeface="Arial" panose="020B0604020202020204" pitchFamily="34" charset="0"/>
+              <a:cs typeface="Arial" panose="020B0604020202020204" pitchFamily="34" charset="0"/>
+            </a:endParaRPr>
+          </a:p>
+          <a:p>
+            <a:endParaRPr lang="en-GB" sz="4400" b="1" dirty="0">
+              <a:solidFill>
+                <a:schemeClr val="accent3"/>
+              </a:solidFill>
+              <a:latin typeface="Arial" panose="020B0604020202020204" pitchFamily="34" charset="0"/>
+              <a:cs typeface="Arial" panose="020B0604020202020204" pitchFamily="34" charset="0"/>
+            </a:endParaRPr>
+          </a:p>
+          <a:p>
+            <a:endParaRPr lang="en-GB" sz="4400" b="1" dirty="0">
+              <a:solidFill>
+                <a:schemeClr val="accent3"/>
+              </a:solidFill>
+              <a:latin typeface="Arial" panose="020B0604020202020204" pitchFamily="34" charset="0"/>
+              <a:cs typeface="Arial" panose="020B0604020202020204" pitchFamily="34" charset="0"/>
+            </a:endParaRPr>
+          </a:p>
+          <a:p>
+            <a:r>
+              <a:rPr lang="en-GB" sz="4400" dirty="0">
+                <a:solidFill>
+                  <a:schemeClr val="accent3"/>
+                </a:solidFill>
+                <a:latin typeface="Arial" panose="020B0604020202020204" pitchFamily="34" charset="0"/>
+                <a:cs typeface="Arial" panose="020B0604020202020204" pitchFamily="34" charset="0"/>
+              </a:rPr>
+              <a:t>After the postprocessing we get the trajectories of the fascicles. These however aren’t in a suitable file-format and thus we have to process the data with our python-script.</a:t>
+            </a:r>
+          </a:p>
+          <a:p>
+            <a:r>
+              <a:rPr lang="en-GB" sz="4400" dirty="0">
+                <a:solidFill>
+                  <a:schemeClr val="accent3"/>
+                </a:solidFill>
+                <a:latin typeface="Arial" panose="020B0604020202020204" pitchFamily="34" charset="0"/>
+                <a:cs typeface="Arial" panose="020B0604020202020204" pitchFamily="34" charset="0"/>
+              </a:rPr>
+              <a:t>The resulting fascicles are set for presentation as shown in our pictures (e.g. 3D-visualization).</a:t>
+            </a:r>
+          </a:p>
+        </p:txBody>
+      </p:sp>
+      <p:sp>
+        <p:nvSpPr>
+          <p:cNvPr id="10" name="Textfeld 9">
+            <a:extLst>
+              <a:ext uri="{FF2B5EF4-FFF2-40B4-BE49-F238E27FC236}">
+                <a16:creationId xmlns:a16="http://schemas.microsoft.com/office/drawing/2014/main" id="{2AD6226E-551D-4AC1-84B4-BCD4E2A29346}"/>
+              </a:ext>
+            </a:extLst>
+          </p:cNvPr>
+          <p:cNvSpPr txBox="1"/>
+          <p:nvPr/>
+        </p:nvSpPr>
+        <p:spPr>
+          <a:xfrm>
+            <a:off x="16545677" y="14509161"/>
+            <a:ext cx="7701147" cy="523220"/>
+          </a:xfrm>
+          <a:prstGeom prst="rect">
+            <a:avLst/>
+          </a:prstGeom>
+          <a:noFill/>
+        </p:spPr>
+        <p:txBody>
+          <a:bodyPr wrap="none" rtlCol="0">
+            <a:spAutoFit/>
+          </a:bodyPr>
+          <a:lstStyle/>
+          <a:p>
+            <a:r>
+              <a:rPr lang="de-DE" sz="2800" dirty="0" err="1">
+                <a:latin typeface="Arial" panose="020B0604020202020204" pitchFamily="34" charset="0"/>
+                <a:cs typeface="Arial" panose="020B0604020202020204" pitchFamily="34" charset="0"/>
+              </a:rPr>
+              <a:t>Generated</a:t>
+            </a:r>
+            <a:r>
+              <a:rPr lang="de-DE" sz="2800" dirty="0">
+                <a:latin typeface="Arial" panose="020B0604020202020204" pitchFamily="34" charset="0"/>
+                <a:cs typeface="Arial" panose="020B0604020202020204" pitchFamily="34" charset="0"/>
+              </a:rPr>
+              <a:t> </a:t>
+            </a:r>
+            <a:r>
+              <a:rPr lang="de-DE" sz="2800" dirty="0" err="1">
+                <a:latin typeface="Arial" panose="020B0604020202020204" pitchFamily="34" charset="0"/>
+                <a:cs typeface="Arial" panose="020B0604020202020204" pitchFamily="34" charset="0"/>
+              </a:rPr>
+              <a:t>fascicles</a:t>
+            </a:r>
+            <a:r>
+              <a:rPr lang="de-DE" sz="2800" dirty="0">
+                <a:latin typeface="Arial" panose="020B0604020202020204" pitchFamily="34" charset="0"/>
+                <a:cs typeface="Arial" panose="020B0604020202020204" pitchFamily="34" charset="0"/>
+              </a:rPr>
+              <a:t> </a:t>
+            </a:r>
+            <a:r>
+              <a:rPr lang="de-DE" sz="2800" dirty="0" err="1">
+                <a:latin typeface="Arial" panose="020B0604020202020204" pitchFamily="34" charset="0"/>
+                <a:cs typeface="Arial" panose="020B0604020202020204" pitchFamily="34" charset="0"/>
+              </a:rPr>
+              <a:t>without</a:t>
+            </a:r>
+            <a:r>
+              <a:rPr lang="de-DE" sz="2800" dirty="0">
+                <a:latin typeface="Arial" panose="020B0604020202020204" pitchFamily="34" charset="0"/>
+                <a:cs typeface="Arial" panose="020B0604020202020204" pitchFamily="34" charset="0"/>
+              </a:rPr>
+              <a:t> </a:t>
+            </a:r>
+            <a:r>
+              <a:rPr lang="de-DE" sz="2800" dirty="0" err="1">
+                <a:latin typeface="Arial" panose="020B0604020202020204" pitchFamily="34" charset="0"/>
+                <a:cs typeface="Arial" panose="020B0604020202020204" pitchFamily="34" charset="0"/>
+              </a:rPr>
+              <a:t>the</a:t>
+            </a:r>
+            <a:r>
+              <a:rPr lang="de-DE" sz="2800" dirty="0">
+                <a:latin typeface="Arial" panose="020B0604020202020204" pitchFamily="34" charset="0"/>
+                <a:cs typeface="Arial" panose="020B0604020202020204" pitchFamily="34" charset="0"/>
+              </a:rPr>
+              <a:t> </a:t>
+            </a:r>
+            <a:r>
+              <a:rPr lang="de-DE" sz="2800" dirty="0" err="1">
+                <a:latin typeface="Arial" panose="020B0604020202020204" pitchFamily="34" charset="0"/>
+                <a:cs typeface="Arial" panose="020B0604020202020204" pitchFamily="34" charset="0"/>
+              </a:rPr>
+              <a:t>muscle</a:t>
+            </a:r>
+            <a:r>
+              <a:rPr lang="de-DE" sz="2800" dirty="0">
+                <a:latin typeface="Arial" panose="020B0604020202020204" pitchFamily="34" charset="0"/>
+                <a:cs typeface="Arial" panose="020B0604020202020204" pitchFamily="34" charset="0"/>
+              </a:rPr>
+              <a:t> </a:t>
+            </a:r>
+            <a:r>
+              <a:rPr lang="de-DE" sz="2800" dirty="0" err="1">
+                <a:latin typeface="Arial" panose="020B0604020202020204" pitchFamily="34" charset="0"/>
+                <a:cs typeface="Arial" panose="020B0604020202020204" pitchFamily="34" charset="0"/>
+              </a:rPr>
+              <a:t>volume</a:t>
+            </a:r>
+            <a:endParaRPr lang="en-DE" sz="2800" dirty="0">
+              <a:latin typeface="Arial" panose="020B0604020202020204" pitchFamily="34" charset="0"/>
+              <a:cs typeface="Arial" panose="020B0604020202020204" pitchFamily="34" charset="0"/>
+            </a:endParaRPr>
+          </a:p>
+        </p:txBody>
+      </p:sp>
+      <p:sp>
+        <p:nvSpPr>
+          <p:cNvPr id="11" name="Textfeld 10">
+            <a:extLst>
+              <a:ext uri="{FF2B5EF4-FFF2-40B4-BE49-F238E27FC236}">
+                <a16:creationId xmlns:a16="http://schemas.microsoft.com/office/drawing/2014/main" id="{158BC9B6-B90A-496F-85BA-43AC232BD1CE}"/>
+              </a:ext>
+            </a:extLst>
+          </p:cNvPr>
+          <p:cNvSpPr txBox="1"/>
+          <p:nvPr/>
+        </p:nvSpPr>
+        <p:spPr>
+          <a:xfrm>
+            <a:off x="16495223" y="39733015"/>
+            <a:ext cx="11522706" cy="523220"/>
+          </a:xfrm>
+          <a:prstGeom prst="rect">
+            <a:avLst/>
+          </a:prstGeom>
+          <a:noFill/>
+        </p:spPr>
+        <p:txBody>
+          <a:bodyPr wrap="none" rtlCol="0">
+            <a:spAutoFit/>
+          </a:bodyPr>
+          <a:lstStyle/>
+          <a:p>
+            <a:r>
+              <a:rPr lang="de-DE" sz="2800" dirty="0" err="1">
+                <a:latin typeface="Arial" panose="020B0604020202020204" pitchFamily="34" charset="0"/>
+                <a:cs typeface="Arial" panose="020B0604020202020204" pitchFamily="34" charset="0"/>
+              </a:rPr>
+              <a:t>Completed</a:t>
+            </a:r>
+            <a:r>
+              <a:rPr lang="de-DE" sz="2800" dirty="0">
+                <a:latin typeface="Arial" panose="020B0604020202020204" pitchFamily="34" charset="0"/>
+                <a:cs typeface="Arial" panose="020B0604020202020204" pitchFamily="34" charset="0"/>
+              </a:rPr>
+              <a:t> </a:t>
+            </a:r>
+            <a:r>
+              <a:rPr lang="de-DE" sz="2800" dirty="0" err="1">
+                <a:latin typeface="Arial" panose="020B0604020202020204" pitchFamily="34" charset="0"/>
+                <a:cs typeface="Arial" panose="020B0604020202020204" pitchFamily="34" charset="0"/>
+              </a:rPr>
+              <a:t>generation</a:t>
+            </a:r>
+            <a:r>
+              <a:rPr lang="de-DE" sz="2800" dirty="0">
+                <a:latin typeface="Arial" panose="020B0604020202020204" pitchFamily="34" charset="0"/>
+                <a:cs typeface="Arial" panose="020B0604020202020204" pitchFamily="34" charset="0"/>
+              </a:rPr>
+              <a:t> </a:t>
+            </a:r>
+            <a:r>
+              <a:rPr lang="de-DE" sz="2800" dirty="0" err="1">
+                <a:latin typeface="Arial" panose="020B0604020202020204" pitchFamily="34" charset="0"/>
+                <a:cs typeface="Arial" panose="020B0604020202020204" pitchFamily="34" charset="0"/>
+              </a:rPr>
+              <a:t>of</a:t>
+            </a:r>
+            <a:r>
+              <a:rPr lang="de-DE" sz="2800" dirty="0">
+                <a:latin typeface="Arial" panose="020B0604020202020204" pitchFamily="34" charset="0"/>
+                <a:cs typeface="Arial" panose="020B0604020202020204" pitchFamily="34" charset="0"/>
+              </a:rPr>
+              <a:t> </a:t>
+            </a:r>
+            <a:r>
+              <a:rPr lang="de-DE" sz="2800" dirty="0" err="1">
+                <a:latin typeface="Arial" panose="020B0604020202020204" pitchFamily="34" charset="0"/>
+                <a:cs typeface="Arial" panose="020B0604020202020204" pitchFamily="34" charset="0"/>
+              </a:rPr>
+              <a:t>the</a:t>
+            </a:r>
+            <a:r>
+              <a:rPr lang="de-DE" sz="2800" dirty="0">
+                <a:latin typeface="Arial" panose="020B0604020202020204" pitchFamily="34" charset="0"/>
+                <a:cs typeface="Arial" panose="020B0604020202020204" pitchFamily="34" charset="0"/>
+              </a:rPr>
+              <a:t> </a:t>
+            </a:r>
+            <a:r>
+              <a:rPr lang="de-DE" sz="2800" dirty="0" err="1">
+                <a:latin typeface="Arial" panose="020B0604020202020204" pitchFamily="34" charset="0"/>
+                <a:cs typeface="Arial" panose="020B0604020202020204" pitchFamily="34" charset="0"/>
+              </a:rPr>
+              <a:t>muscle</a:t>
+            </a:r>
+            <a:r>
+              <a:rPr lang="de-DE" sz="2800" dirty="0">
+                <a:latin typeface="Arial" panose="020B0604020202020204" pitchFamily="34" charset="0"/>
+                <a:cs typeface="Arial" panose="020B0604020202020204" pitchFamily="34" charset="0"/>
+              </a:rPr>
+              <a:t> </a:t>
+            </a:r>
+            <a:r>
+              <a:rPr lang="de-DE" sz="2800" dirty="0" err="1">
+                <a:latin typeface="Arial" panose="020B0604020202020204" pitchFamily="34" charset="0"/>
+                <a:cs typeface="Arial" panose="020B0604020202020204" pitchFamily="34" charset="0"/>
+              </a:rPr>
+              <a:t>including</a:t>
+            </a:r>
+            <a:r>
+              <a:rPr lang="de-DE" sz="2800" dirty="0">
+                <a:latin typeface="Arial" panose="020B0604020202020204" pitchFamily="34" charset="0"/>
+                <a:cs typeface="Arial" panose="020B0604020202020204" pitchFamily="34" charset="0"/>
+              </a:rPr>
+              <a:t> </a:t>
+            </a:r>
+            <a:r>
+              <a:rPr lang="de-DE" sz="2800" dirty="0" err="1">
+                <a:latin typeface="Arial" panose="020B0604020202020204" pitchFamily="34" charset="0"/>
+                <a:cs typeface="Arial" panose="020B0604020202020204" pitchFamily="34" charset="0"/>
+              </a:rPr>
+              <a:t>volumes</a:t>
+            </a:r>
+            <a:r>
+              <a:rPr lang="de-DE" sz="2800" dirty="0">
+                <a:latin typeface="Arial" panose="020B0604020202020204" pitchFamily="34" charset="0"/>
+                <a:cs typeface="Arial" panose="020B0604020202020204" pitchFamily="34" charset="0"/>
+              </a:rPr>
+              <a:t> </a:t>
+            </a:r>
+            <a:r>
+              <a:rPr lang="de-DE" sz="2800" dirty="0" err="1">
+                <a:latin typeface="Arial" panose="020B0604020202020204" pitchFamily="34" charset="0"/>
+                <a:cs typeface="Arial" panose="020B0604020202020204" pitchFamily="34" charset="0"/>
+              </a:rPr>
+              <a:t>for</a:t>
+            </a:r>
+            <a:r>
+              <a:rPr lang="de-DE" sz="2800" dirty="0">
+                <a:latin typeface="Arial" panose="020B0604020202020204" pitchFamily="34" charset="0"/>
+                <a:cs typeface="Arial" panose="020B0604020202020204" pitchFamily="34" charset="0"/>
+              </a:rPr>
+              <a:t> </a:t>
+            </a:r>
+            <a:r>
+              <a:rPr lang="de-DE" sz="2800" dirty="0" err="1">
+                <a:latin typeface="Arial" panose="020B0604020202020204" pitchFamily="34" charset="0"/>
+                <a:cs typeface="Arial" panose="020B0604020202020204" pitchFamily="34" charset="0"/>
+              </a:rPr>
+              <a:t>the</a:t>
+            </a:r>
+            <a:r>
+              <a:rPr lang="de-DE" sz="2800" dirty="0">
+                <a:latin typeface="Arial" panose="020B0604020202020204" pitchFamily="34" charset="0"/>
+                <a:cs typeface="Arial" panose="020B0604020202020204" pitchFamily="34" charset="0"/>
+              </a:rPr>
+              <a:t> </a:t>
+            </a:r>
+            <a:r>
+              <a:rPr lang="de-DE" sz="2800" dirty="0" err="1">
+                <a:latin typeface="Arial" panose="020B0604020202020204" pitchFamily="34" charset="0"/>
+                <a:cs typeface="Arial" panose="020B0604020202020204" pitchFamily="34" charset="0"/>
+              </a:rPr>
+              <a:t>fascicles</a:t>
+            </a:r>
+            <a:endParaRPr lang="en-DE" sz="2800" dirty="0">
+              <a:latin typeface="Arial" panose="020B0604020202020204" pitchFamily="34" charset="0"/>
+              <a:cs typeface="Arial" panose="020B0604020202020204" pitchFamily="34" charset="0"/>
+            </a:endParaRPr>
+          </a:p>
+        </p:txBody>
+      </p:sp>
     </p:spTree>
     <p:extLst>
       <p:ext uri="{BB962C8B-B14F-4D97-AF65-F5344CB8AC3E}">

--- a/documentation/Vorstellungsplakat/Muscular_Arrangement.pptx
+++ b/documentation/Vorstellungsplakat/Muscular_Arrangement.pptx
@@ -1344,11 +1344,18 @@
             <a:buNone/>
           </a:pPr>
           <a:r>
-            <a:rPr lang="de-DE" sz="2400">
+            <a:rPr lang="de-DE" sz="2400" dirty="0">
               <a:latin typeface="Arial" panose="020B0604020202020204" pitchFamily="34" charset="0"/>
               <a:cs typeface="Arial" panose="020B0604020202020204" pitchFamily="34" charset="0"/>
             </a:rPr>
-            <a:t>Shell Script</a:t>
+            <a:t>Shell </a:t>
+          </a:r>
+          <a:r>
+            <a:rPr lang="de-DE" sz="2400" dirty="0" err="1">
+              <a:latin typeface="Arial" panose="020B0604020202020204" pitchFamily="34" charset="0"/>
+              <a:cs typeface="Arial" panose="020B0604020202020204" pitchFamily="34" charset="0"/>
+            </a:rPr>
+            <a:t>Script</a:t>
           </a:r>
           <a:endParaRPr lang="en-DE" sz="2400" dirty="0">
             <a:latin typeface="Arial" panose="020B0604020202020204" pitchFamily="34" charset="0"/>
@@ -2571,11 +2578,18 @@
             <a:buNone/>
           </a:pPr>
           <a:r>
-            <a:rPr lang="de-DE" sz="2400" kern="1200">
+            <a:rPr lang="de-DE" sz="2400" kern="1200" dirty="0">
               <a:latin typeface="Arial" panose="020B0604020202020204" pitchFamily="34" charset="0"/>
               <a:cs typeface="Arial" panose="020B0604020202020204" pitchFamily="34" charset="0"/>
             </a:rPr>
-            <a:t>Shell Script</a:t>
+            <a:t>Shell </a:t>
+          </a:r>
+          <a:r>
+            <a:rPr lang="de-DE" sz="2400" kern="1200" dirty="0" err="1">
+              <a:latin typeface="Arial" panose="020B0604020202020204" pitchFamily="34" charset="0"/>
+              <a:cs typeface="Arial" panose="020B0604020202020204" pitchFamily="34" charset="0"/>
+            </a:rPr>
+            <a:t>Script</a:t>
           </a:r>
           <a:endParaRPr lang="en-DE" sz="2400" kern="1200" dirty="0">
             <a:latin typeface="Arial" panose="020B0604020202020204" pitchFamily="34" charset="0"/>
@@ -6446,13 +6460,13 @@
           <p:nvPr>
             <p:extLst>
               <p:ext uri="{D42A27DB-BD31-4B8C-83A1-F6EECF244321}">
-                <p14:modId xmlns:p14="http://schemas.microsoft.com/office/powerpoint/2010/main" val="1733885890"/>
+                <p14:modId xmlns:p14="http://schemas.microsoft.com/office/powerpoint/2010/main" val="163715671"/>
               </p:ext>
             </p:extLst>
           </p:nvPr>
         </p:nvGraphicFramePr>
         <p:xfrm>
-          <a:off x="16545677" y="21471167"/>
+          <a:off x="16575173" y="20173309"/>
           <a:ext cx="12708000" cy="17825791"/>
         </p:xfrm>
         <a:graphic>
@@ -7327,7 +7341,7 @@
         </p:blipFill>
         <p:spPr>
           <a:xfrm rot="21208518">
-            <a:off x="17958939" y="35282169"/>
+            <a:off x="18156594" y="34188313"/>
             <a:ext cx="9297155" cy="4163002"/>
           </a:xfrm>
           <a:prstGeom prst="rect">
@@ -7464,7 +7478,7 @@
         <p:spPr>
           <a:xfrm>
             <a:off x="16545677" y="13334286"/>
-            <a:ext cx="12708000" cy="6863417"/>
+            <a:ext cx="12708000" cy="5416868"/>
           </a:xfrm>
           <a:prstGeom prst="rect">
             <a:avLst/>
@@ -7514,7 +7528,7 @@
           </a:p>
           <a:p>
             <a:r>
-              <a:rPr lang="en-GB" sz="4400" dirty="0">
+              <a:rPr lang="en-GB" sz="3400" dirty="0">
                 <a:solidFill>
                   <a:schemeClr val="accent3"/>
                 </a:solidFill>
@@ -7526,7 +7540,7 @@
           </a:p>
           <a:p>
             <a:r>
-              <a:rPr lang="en-GB" sz="4400" dirty="0">
+              <a:rPr lang="en-GB" sz="3400" dirty="0">
                 <a:solidFill>
                   <a:schemeClr val="accent3"/>
                 </a:solidFill>
@@ -7664,7 +7678,7 @@
         </p:nvSpPr>
         <p:spPr>
           <a:xfrm>
-            <a:off x="16495223" y="39733015"/>
+            <a:off x="16545677" y="38908191"/>
             <a:ext cx="11522706" cy="523220"/>
           </a:xfrm>
           <a:prstGeom prst="rect">

--- a/documentation/Vorstellungsplakat/Muscular_Arrangement.pptx
+++ b/documentation/Vorstellungsplakat/Muscular_Arrangement.pptx
@@ -6490,7 +6490,7 @@
         <p:spPr>
           <a:xfrm>
             <a:off x="1418167" y="7614710"/>
-            <a:ext cx="13193183" cy="5605990"/>
+            <a:ext cx="13193183" cy="4941589"/>
           </a:xfrm>
           <a:prstGeom prst="roundRect">
             <a:avLst/>
@@ -6581,9 +6581,6 @@
           <a:bodyPr/>
           <a:lstStyle/>
           <a:p>
-            <a:endParaRPr lang="en-GB" sz="4400" dirty="0"/>
-          </a:p>
-          <a:p>
             <a:r>
               <a:rPr lang="en-GB" sz="4400" dirty="0"/>
               <a:t>Introduction</a:t>
@@ -6684,7 +6681,19 @@
             </a:r>
             <a:r>
               <a:rPr lang="en-GB" sz="3400" b="0" dirty="0"/>
-              <a:t> already showed 2013 that the muscle fascicles can be reconstructed using a Laplacian vector field simulation. Because of that, we use the meshing program </a:t>
+              <a:t> already showed 2013 that the muscle fascicles can be reconstructed using a Laplacian vector field simulation. After solving the Laplacian potential flow (</a:t>
+            </a:r>
+            <a:r>
+              <a:rPr lang="el-GR" sz="3400" b="0" dirty="0"/>
+              <a:t>ΔΦ</a:t>
+            </a:r>
+            <a:r>
+              <a:rPr lang="de-DE" sz="3400" b="0" dirty="0"/>
+              <a:t>=0</a:t>
+            </a:r>
+            <a:r>
+              <a:rPr lang="en-GB" sz="3400" b="0" dirty="0"/>
+              <a:t>), the fibers are obtained by tracing streamlines through the volume. Because of that, we use the meshing program </a:t>
             </a:r>
             <a:r>
               <a:rPr lang="en-GB" sz="3400" b="0" dirty="0" err="1"/>
@@ -7184,16 +7193,6 @@
             </a:pPr>
             <a:r>
               <a:rPr lang="en-GB" sz="3400" dirty="0"/>
-              <a:t>Can be applied on all forms of skeletal muscles</a:t>
-            </a:r>
-          </a:p>
-          <a:p>
-            <a:pPr marL="342900" indent="-342900">
-              <a:buFont typeface="Arial" panose="020B0604020202020204" pitchFamily="34" charset="0"/>
-              <a:buChar char="•"/>
-            </a:pPr>
-            <a:r>
-              <a:rPr lang="en-GB" sz="3400" dirty="0"/>
               <a:t>Variable amount of generated fascicles</a:t>
             </a:r>
           </a:p>
@@ -7281,7 +7280,7 @@
         </p:blipFill>
         <p:spPr>
           <a:xfrm>
-            <a:off x="8500133" y="22500326"/>
+            <a:off x="8489497" y="21969880"/>
             <a:ext cx="7034244" cy="2650226"/>
           </a:xfrm>
           <a:prstGeom prst="rect">
@@ -7311,7 +7310,7 @@
         </p:blipFill>
         <p:spPr>
           <a:xfrm rot="1751548">
-            <a:off x="3041287" y="17070172"/>
+            <a:off x="3061563" y="16223939"/>
             <a:ext cx="9906392" cy="4676867"/>
           </a:xfrm>
           <a:prstGeom prst="rect">

--- a/documentation/Vorstellungsplakat/Muscular_Arrangement.pptx
+++ b/documentation/Vorstellungsplakat/Muscular_Arrangement.pptx
@@ -6543,8 +6543,8 @@
         </p:nvSpPr>
         <p:spPr>
           <a:xfrm>
-            <a:off x="4586400" y="6300001"/>
-            <a:ext cx="15599259" cy="1134710"/>
+            <a:off x="4586400" y="3738532"/>
+            <a:ext cx="14514027" cy="3696179"/>
           </a:xfrm>
         </p:spPr>
         <p:txBody>
@@ -6552,12 +6552,15 @@
           <a:lstStyle/>
           <a:p>
             <a:r>
-              <a:rPr lang="de-DE" dirty="0"/>
+              <a:rPr lang="de-DE" sz="5000" dirty="0"/>
               <a:t>Simulation großer Systeme – SGS</a:t>
             </a:r>
           </a:p>
           <a:p>
-            <a:endParaRPr lang="en-GB" dirty="0"/>
+            <a:r>
+              <a:rPr lang="en-GB" dirty="0"/>
+              <a:t>www.ipvs.uni-stuttgart.de</a:t>
+            </a:r>
           </a:p>
         </p:txBody>
       </p:sp>
@@ -6829,8 +6832,8 @@
         </p:nvSpPr>
         <p:spPr>
           <a:xfrm>
-            <a:off x="24357011" y="4381363"/>
-            <a:ext cx="6210996" cy="4376702"/>
+            <a:off x="19699673" y="3145740"/>
+            <a:ext cx="4729319" cy="3096004"/>
           </a:xfrm>
         </p:spPr>
         <p:txBody>
@@ -6838,34 +6841,34 @@
           <a:lstStyle/>
           <a:p>
             <a:r>
-              <a:rPr lang="en-GB" sz="4000" dirty="0"/>
+              <a:rPr lang="en-GB" sz="3200" dirty="0"/>
               <a:t>Jan Kusterer</a:t>
             </a:r>
           </a:p>
           <a:p>
             <a:r>
-              <a:rPr lang="en-GB" sz="4000" dirty="0"/>
+              <a:rPr lang="en-GB" sz="3200" dirty="0"/>
               <a:t>Niven </a:t>
             </a:r>
             <a:r>
-              <a:rPr lang="en-GB" sz="4000" dirty="0" err="1"/>
+              <a:rPr lang="en-GB" sz="3200" dirty="0" err="1"/>
               <a:t>Ratnamaheson</a:t>
             </a:r>
-            <a:endParaRPr lang="en-GB" sz="4000" dirty="0"/>
-          </a:p>
-          <a:p>
-            <a:r>
-              <a:rPr lang="en-GB" sz="4000" dirty="0" err="1"/>
+            <a:endParaRPr lang="en-GB" sz="3200" dirty="0"/>
+          </a:p>
+          <a:p>
+            <a:r>
+              <a:rPr lang="en-GB" sz="3200" dirty="0" err="1"/>
               <a:t>Raimund</a:t>
             </a:r>
             <a:r>
-              <a:rPr lang="en-GB" sz="4000" dirty="0"/>
+              <a:rPr lang="en-GB" sz="3200" dirty="0"/>
               <a:t> Rolfs</a:t>
             </a:r>
           </a:p>
           <a:p>
             <a:r>
-              <a:rPr lang="en-GB" sz="4000" dirty="0"/>
+              <a:rPr lang="en-GB" sz="3200" dirty="0"/>
               <a:t>Tobias Walter</a:t>
             </a:r>
           </a:p>
@@ -6881,14 +6884,53 @@
             <p:ph type="body" sz="quarter" idx="17"/>
           </p:nvPr>
         </p:nvSpPr>
-        <p:spPr/>
+        <p:spPr>
+          <a:xfrm>
+            <a:off x="24246824" y="3145740"/>
+            <a:ext cx="6327951" cy="5231208"/>
+          </a:xfrm>
+        </p:spPr>
         <p:txBody>
           <a:bodyPr/>
           <a:lstStyle/>
           <a:p>
             <a:r>
-              <a:rPr lang="en-GB" sz="8000" dirty="0"/>
-              <a:t>Generating and Visualizing Muscular Fascicle Arrangements</a:t>
+              <a:rPr lang="en-GB" sz="5000" b="1" dirty="0">
+                <a:solidFill>
+                  <a:schemeClr val="bg2"/>
+                </a:solidFill>
+              </a:rPr>
+              <a:t>Generating and </a:t>
+            </a:r>
+          </a:p>
+          <a:p>
+            <a:r>
+              <a:rPr lang="en-GB" sz="5000" b="1" dirty="0">
+                <a:solidFill>
+                  <a:schemeClr val="bg2"/>
+                </a:solidFill>
+              </a:rPr>
+              <a:t>Visualizing Muscular </a:t>
+            </a:r>
+          </a:p>
+          <a:p>
+            <a:r>
+              <a:rPr lang="en-GB" sz="5000" b="1" dirty="0">
+                <a:solidFill>
+                  <a:schemeClr val="bg2"/>
+                </a:solidFill>
+              </a:rPr>
+              <a:t>Fascicle </a:t>
+            </a:r>
+          </a:p>
+          <a:p>
+            <a:r>
+              <a:rPr lang="en-GB" sz="5000" b="1" dirty="0">
+                <a:solidFill>
+                  <a:schemeClr val="bg2"/>
+                </a:solidFill>
+              </a:rPr>
+              <a:t>Arrangements</a:t>
             </a:r>
           </a:p>
         </p:txBody>
@@ -6910,7 +6952,7 @@
           <a:p>
             <a:r>
               <a:rPr lang="en-GB" dirty="0"/>
-              <a:t>www.uni-Stuttgart.de</a:t>
+              <a:t>www.uni-stuttgart.de</a:t>
             </a:r>
           </a:p>
         </p:txBody>
@@ -6937,7 +6979,7 @@
         </p:blipFill>
         <p:spPr>
           <a:xfrm>
-            <a:off x="19939846" y="2703435"/>
+            <a:off x="15379511" y="3628377"/>
             <a:ext cx="3290542" cy="3290542"/>
           </a:xfrm>
           <a:prstGeom prst="rect">
